--- a/plot/Pictures.pptx
+++ b/plot/Pictures.pptx
@@ -888,7 +888,7 @@
           <a:p>
             <a:fld id="{F04E7857-AA69-42AA-814A-3A1255E21AB5}" type="datetimeFigureOut">
               <a:rPr lang="zh-CN" altLang="en-US" smtClean="0"/>
-              <a:t>2022/06/13</a:t>
+              <a:t>2022/11/27</a:t>
             </a:fld>
             <a:endParaRPr lang="zh-CN" altLang="en-US"/>
           </a:p>
@@ -1368,7 +1368,7 @@
           <a:p>
             <a:fld id="{DB5C46EA-315E-402A-9930-56F666463EAE}" type="datetimeFigureOut">
               <a:rPr lang="zh-CN" altLang="en-US" smtClean="0"/>
-              <a:t>2022/06/13</a:t>
+              <a:t>2022/11/27</a:t>
             </a:fld>
             <a:endParaRPr lang="zh-CN" altLang="en-US"/>
           </a:p>
@@ -1536,7 +1536,7 @@
           <a:p>
             <a:fld id="{DB5C46EA-315E-402A-9930-56F666463EAE}" type="datetimeFigureOut">
               <a:rPr lang="zh-CN" altLang="en-US" smtClean="0"/>
-              <a:t>2022/06/13</a:t>
+              <a:t>2022/11/27</a:t>
             </a:fld>
             <a:endParaRPr lang="zh-CN" altLang="en-US"/>
           </a:p>
@@ -1714,7 +1714,7 @@
           <a:p>
             <a:fld id="{DB5C46EA-315E-402A-9930-56F666463EAE}" type="datetimeFigureOut">
               <a:rPr lang="zh-CN" altLang="en-US" smtClean="0"/>
-              <a:t>2022/06/13</a:t>
+              <a:t>2022/11/27</a:t>
             </a:fld>
             <a:endParaRPr lang="zh-CN" altLang="en-US"/>
           </a:p>
@@ -1882,7 +1882,7 @@
           <a:p>
             <a:fld id="{DB5C46EA-315E-402A-9930-56F666463EAE}" type="datetimeFigureOut">
               <a:rPr lang="zh-CN" altLang="en-US" smtClean="0"/>
-              <a:t>2022/06/13</a:t>
+              <a:t>2022/11/27</a:t>
             </a:fld>
             <a:endParaRPr lang="zh-CN" altLang="en-US"/>
           </a:p>
@@ -2127,7 +2127,7 @@
           <a:p>
             <a:fld id="{DB5C46EA-315E-402A-9930-56F666463EAE}" type="datetimeFigureOut">
               <a:rPr lang="zh-CN" altLang="en-US" smtClean="0"/>
-              <a:t>2022/06/13</a:t>
+              <a:t>2022/11/27</a:t>
             </a:fld>
             <a:endParaRPr lang="zh-CN" altLang="en-US"/>
           </a:p>
@@ -2356,7 +2356,7 @@
           <a:p>
             <a:fld id="{DB5C46EA-315E-402A-9930-56F666463EAE}" type="datetimeFigureOut">
               <a:rPr lang="zh-CN" altLang="en-US" smtClean="0"/>
-              <a:t>2022/06/13</a:t>
+              <a:t>2022/11/27</a:t>
             </a:fld>
             <a:endParaRPr lang="zh-CN" altLang="en-US"/>
           </a:p>
@@ -2720,7 +2720,7 @@
           <a:p>
             <a:fld id="{DB5C46EA-315E-402A-9930-56F666463EAE}" type="datetimeFigureOut">
               <a:rPr lang="zh-CN" altLang="en-US" smtClean="0"/>
-              <a:t>2022/06/13</a:t>
+              <a:t>2022/11/27</a:t>
             </a:fld>
             <a:endParaRPr lang="zh-CN" altLang="en-US"/>
           </a:p>
@@ -2837,7 +2837,7 @@
           <a:p>
             <a:fld id="{DB5C46EA-315E-402A-9930-56F666463EAE}" type="datetimeFigureOut">
               <a:rPr lang="zh-CN" altLang="en-US" smtClean="0"/>
-              <a:t>2022/06/13</a:t>
+              <a:t>2022/11/27</a:t>
             </a:fld>
             <a:endParaRPr lang="zh-CN" altLang="en-US"/>
           </a:p>
@@ -2932,7 +2932,7 @@
           <a:p>
             <a:fld id="{DB5C46EA-315E-402A-9930-56F666463EAE}" type="datetimeFigureOut">
               <a:rPr lang="zh-CN" altLang="en-US" smtClean="0"/>
-              <a:t>2022/06/13</a:t>
+              <a:t>2022/11/27</a:t>
             </a:fld>
             <a:endParaRPr lang="zh-CN" altLang="en-US"/>
           </a:p>
@@ -3207,7 +3207,7 @@
           <a:p>
             <a:fld id="{DB5C46EA-315E-402A-9930-56F666463EAE}" type="datetimeFigureOut">
               <a:rPr lang="zh-CN" altLang="en-US" smtClean="0"/>
-              <a:t>2022/06/13</a:t>
+              <a:t>2022/11/27</a:t>
             </a:fld>
             <a:endParaRPr lang="zh-CN" altLang="en-US"/>
           </a:p>
@@ -3459,7 +3459,7 @@
           <a:p>
             <a:fld id="{DB5C46EA-315E-402A-9930-56F666463EAE}" type="datetimeFigureOut">
               <a:rPr lang="zh-CN" altLang="en-US" smtClean="0"/>
-              <a:t>2022/06/13</a:t>
+              <a:t>2022/11/27</a:t>
             </a:fld>
             <a:endParaRPr lang="zh-CN" altLang="en-US"/>
           </a:p>
@@ -3670,7 +3670,7 @@
           <a:p>
             <a:fld id="{DB5C46EA-315E-402A-9930-56F666463EAE}" type="datetimeFigureOut">
               <a:rPr lang="zh-CN" altLang="en-US" smtClean="0"/>
-              <a:t>2022/06/13</a:t>
+              <a:t>2022/11/27</a:t>
             </a:fld>
             <a:endParaRPr lang="zh-CN" altLang="en-US"/>
           </a:p>
@@ -4084,9 +4084,9 @@
         <p:grpSpPr>
           <a:xfrm>
             <a:off x="1567667" y="1362310"/>
-            <a:ext cx="8538053" cy="3005990"/>
+            <a:ext cx="8538053" cy="3018884"/>
             <a:chOff x="1567667" y="1362310"/>
-            <a:chExt cx="8538053" cy="3005990"/>
+            <a:chExt cx="8538053" cy="3018884"/>
           </a:xfrm>
         </p:grpSpPr>
         <p:grpSp>
@@ -4659,8 +4659,8 @@
             </p:txBody>
           </p:sp>
         </p:grpSp>
-        <mc:AlternateContent xmlns:mc="http://schemas.openxmlformats.org/markup-compatibility/2006">
-          <mc:Choice xmlns:a14="http://schemas.microsoft.com/office/drawing/2010/main" Requires="a14">
+        <mc:AlternateContent xmlns:mc="http://schemas.openxmlformats.org/markup-compatibility/2006" xmlns:a14="http://schemas.microsoft.com/office/drawing/2010/main">
+          <mc:Choice Requires="a14">
             <p:sp>
               <p:nvSpPr>
                 <p:cNvPr id="19" name="文本框 18"/>
@@ -4711,7 +4711,7 @@
               </p:txBody>
             </p:sp>
           </mc:Choice>
-          <mc:Fallback>
+          <mc:Fallback xmlns="">
             <p:sp>
               <p:nvSpPr>
                 <p:cNvPr id="19" name="文本框 18"/>
@@ -4750,8 +4750,8 @@
             </p:sp>
           </mc:Fallback>
         </mc:AlternateContent>
-        <mc:AlternateContent xmlns:mc="http://schemas.openxmlformats.org/markup-compatibility/2006">
-          <mc:Choice xmlns:a14="http://schemas.microsoft.com/office/drawing/2010/main" Requires="a14">
+        <mc:AlternateContent xmlns:mc="http://schemas.openxmlformats.org/markup-compatibility/2006" xmlns:a14="http://schemas.microsoft.com/office/drawing/2010/main">
+          <mc:Choice Requires="a14">
             <p:sp>
               <p:nvSpPr>
                 <p:cNvPr id="20" name="文本框 19"/>
@@ -4802,7 +4802,7 @@
               </p:txBody>
             </p:sp>
           </mc:Choice>
-          <mc:Fallback>
+          <mc:Fallback xmlns="">
             <p:sp>
               <p:nvSpPr>
                 <p:cNvPr id="20" name="文本框 19"/>
@@ -4841,8 +4841,8 @@
             </p:sp>
           </mc:Fallback>
         </mc:AlternateContent>
-        <mc:AlternateContent xmlns:mc="http://schemas.openxmlformats.org/markup-compatibility/2006">
-          <mc:Choice xmlns:a14="http://schemas.microsoft.com/office/drawing/2010/main" Requires="a14">
+        <mc:AlternateContent xmlns:mc="http://schemas.openxmlformats.org/markup-compatibility/2006" xmlns:a14="http://schemas.microsoft.com/office/drawing/2010/main">
+          <mc:Choice Requires="a14">
             <p:sp>
               <p:nvSpPr>
                 <p:cNvPr id="21" name="文本框 20"/>
@@ -4893,7 +4893,7 @@
               </p:txBody>
             </p:sp>
           </mc:Choice>
-          <mc:Fallback>
+          <mc:Fallback xmlns="">
             <p:sp>
               <p:nvSpPr>
                 <p:cNvPr id="21" name="文本框 20"/>
@@ -5112,10 +5112,20 @@
                   <a:solidFill>
                     <a:srgbClr val="0070C0"/>
                   </a:solidFill>
+                  <a:latin typeface="Times New Roman" panose="02020603050405020304" pitchFamily="18" charset="0"/>
+                  <a:cs typeface="Times New Roman" panose="02020603050405020304" pitchFamily="18" charset="0"/>
+                </a:rPr>
+                <a:t>#</a:t>
+              </a:r>
+              <a:r>
+                <a:rPr lang="en-US" altLang="zh-CN" dirty="0">
+                  <a:solidFill>
+                    <a:srgbClr val="0070C0"/>
+                  </a:solidFill>
                   <a:latin typeface="Calibri" panose="020F0502020204030204" pitchFamily="34" charset="0"/>
                   <a:cs typeface="Calibri" panose="020F0502020204030204" pitchFamily="34" charset="0"/>
                 </a:rPr>
-                <a:t>#data</a:t>
+                <a:t>data</a:t>
               </a:r>
               <a:endParaRPr lang="zh-CN" altLang="en-US" dirty="0">
                 <a:solidFill>
@@ -5765,8 +5775,8 @@
             </p:txBody>
           </p:sp>
         </p:grpSp>
-        <mc:AlternateContent xmlns:mc="http://schemas.openxmlformats.org/markup-compatibility/2006">
-          <mc:Choice xmlns:a14="http://schemas.microsoft.com/office/drawing/2010/main" Requires="a14">
+        <mc:AlternateContent xmlns:mc="http://schemas.openxmlformats.org/markup-compatibility/2006" xmlns:a14="http://schemas.microsoft.com/office/drawing/2010/main">
+          <mc:Choice Requires="a14">
             <p:sp>
               <p:nvSpPr>
                 <p:cNvPr id="46" name="文本框 45"/>
@@ -5817,7 +5827,7 @@
               </p:txBody>
             </p:sp>
           </mc:Choice>
-          <mc:Fallback>
+          <mc:Fallback xmlns="">
             <p:sp>
               <p:nvSpPr>
                 <p:cNvPr id="46" name="文本框 45"/>
@@ -5856,8 +5866,8 @@
             </p:sp>
           </mc:Fallback>
         </mc:AlternateContent>
-        <mc:AlternateContent xmlns:mc="http://schemas.openxmlformats.org/markup-compatibility/2006">
-          <mc:Choice xmlns:a14="http://schemas.microsoft.com/office/drawing/2010/main" Requires="a14">
+        <mc:AlternateContent xmlns:mc="http://schemas.openxmlformats.org/markup-compatibility/2006" xmlns:a14="http://schemas.microsoft.com/office/drawing/2010/main">
+          <mc:Choice Requires="a14">
             <p:sp>
               <p:nvSpPr>
                 <p:cNvPr id="47" name="文本框 46"/>
@@ -5908,7 +5918,7 @@
               </p:txBody>
             </p:sp>
           </mc:Choice>
-          <mc:Fallback>
+          <mc:Fallback xmlns="">
             <p:sp>
               <p:nvSpPr>
                 <p:cNvPr id="47" name="文本框 46"/>
@@ -5947,8 +5957,8 @@
             </p:sp>
           </mc:Fallback>
         </mc:AlternateContent>
-        <mc:AlternateContent xmlns:mc="http://schemas.openxmlformats.org/markup-compatibility/2006">
-          <mc:Choice xmlns:a14="http://schemas.microsoft.com/office/drawing/2010/main" Requires="a14">
+        <mc:AlternateContent xmlns:mc="http://schemas.openxmlformats.org/markup-compatibility/2006" xmlns:a14="http://schemas.microsoft.com/office/drawing/2010/main">
+          <mc:Choice Requires="a14">
             <p:sp>
               <p:nvSpPr>
                 <p:cNvPr id="48" name="文本框 47"/>
@@ -5999,7 +6009,7 @@
               </p:txBody>
             </p:sp>
           </mc:Choice>
-          <mc:Fallback>
+          <mc:Fallback xmlns="">
             <p:sp>
               <p:nvSpPr>
                 <p:cNvPr id="48" name="文本框 47"/>
@@ -7246,8 +7256,8 @@
             </a:p>
           </p:txBody>
         </p:sp>
-        <mc:AlternateContent xmlns:mc="http://schemas.openxmlformats.org/markup-compatibility/2006">
-          <mc:Choice xmlns:a14="http://schemas.microsoft.com/office/drawing/2010/main" Requires="a14">
+        <mc:AlternateContent xmlns:mc="http://schemas.openxmlformats.org/markup-compatibility/2006" xmlns:a14="http://schemas.microsoft.com/office/drawing/2010/main">
+          <mc:Choice Requires="a14">
             <p:sp>
               <p:nvSpPr>
                 <p:cNvPr id="78" name="文本框 77"/>
@@ -7298,7 +7308,7 @@
               </p:txBody>
             </p:sp>
           </mc:Choice>
-          <mc:Fallback>
+          <mc:Fallback xmlns="">
             <p:sp>
               <p:nvSpPr>
                 <p:cNvPr id="78" name="文本框 77"/>
@@ -7447,7 +7457,7 @@
           </p:nvSpPr>
           <p:spPr>
             <a:xfrm flipH="1">
-              <a:off x="4362360" y="4051046"/>
+              <a:off x="4735222" y="4051046"/>
               <a:ext cx="266400" cy="265176"/>
             </a:xfrm>
             <a:prstGeom prst="rect">
@@ -7549,8 +7559,8 @@
           </p:nvSpPr>
           <p:spPr>
             <a:xfrm>
-              <a:off x="4571347" y="3998968"/>
-              <a:ext cx="1206120" cy="369332"/>
+              <a:off x="5004769" y="3998968"/>
+              <a:ext cx="675042" cy="369332"/>
             </a:xfrm>
             <a:prstGeom prst="rect">
               <a:avLst/>
@@ -7572,7 +7582,7 @@
                   <a:latin typeface="Calibri" panose="020F0502020204030204" pitchFamily="34" charset="0"/>
                   <a:cs typeface="Calibri" panose="020F0502020204030204" pitchFamily="34" charset="0"/>
                 </a:rPr>
-                <a:t>Float data</a:t>
+                <a:t>Float</a:t>
               </a:r>
               <a:endParaRPr lang="zh-CN" altLang="en-US" dirty="0">
                 <a:solidFill>
@@ -7592,8 +7602,8 @@
           </p:nvSpPr>
           <p:spPr>
             <a:xfrm>
-              <a:off x="6238461" y="3991086"/>
-              <a:ext cx="1072920" cy="369332"/>
+              <a:off x="6283365" y="4011862"/>
+              <a:ext cx="575840" cy="369332"/>
             </a:xfrm>
             <a:prstGeom prst="rect">
               <a:avLst/>
@@ -7615,7 +7625,7 @@
                   <a:latin typeface="Calibri" panose="020F0502020204030204" pitchFamily="34" charset="0"/>
                   <a:cs typeface="Calibri" panose="020F0502020204030204" pitchFamily="34" charset="0"/>
                 </a:rPr>
-                <a:t>bin data</a:t>
+                <a:t>Bin</a:t>
               </a:r>
               <a:endParaRPr lang="zh-CN" altLang="en-US" dirty="0">
                 <a:solidFill>
@@ -14655,8 +14665,8 @@
           </p:txBody>
         </p:sp>
       </p:grpSp>
-      <mc:AlternateContent xmlns:mc="http://schemas.openxmlformats.org/markup-compatibility/2006">
-        <mc:Choice xmlns:a14="http://schemas.microsoft.com/office/drawing/2010/main" Requires="a14">
+      <mc:AlternateContent xmlns:mc="http://schemas.openxmlformats.org/markup-compatibility/2006" xmlns:a14="http://schemas.microsoft.com/office/drawing/2010/main">
+        <mc:Choice Requires="a14">
           <p:sp>
             <p:nvSpPr>
               <p:cNvPr id="19" name="文本框 18"/>
@@ -14707,7 +14717,7 @@
             </p:txBody>
           </p:sp>
         </mc:Choice>
-        <mc:Fallback>
+        <mc:Fallback xmlns="">
           <p:sp>
             <p:nvSpPr>
               <p:cNvPr id="19" name="文本框 18"/>
@@ -14746,8 +14756,8 @@
           </p:sp>
         </mc:Fallback>
       </mc:AlternateContent>
-      <mc:AlternateContent xmlns:mc="http://schemas.openxmlformats.org/markup-compatibility/2006">
-        <mc:Choice xmlns:a14="http://schemas.microsoft.com/office/drawing/2010/main" Requires="a14">
+      <mc:AlternateContent xmlns:mc="http://schemas.openxmlformats.org/markup-compatibility/2006" xmlns:a14="http://schemas.microsoft.com/office/drawing/2010/main">
+        <mc:Choice Requires="a14">
           <p:sp>
             <p:nvSpPr>
               <p:cNvPr id="20" name="文本框 19"/>
@@ -14798,7 +14808,7 @@
             </p:txBody>
           </p:sp>
         </mc:Choice>
-        <mc:Fallback>
+        <mc:Fallback xmlns="">
           <p:sp>
             <p:nvSpPr>
               <p:cNvPr id="20" name="文本框 19"/>
@@ -14837,8 +14847,8 @@
           </p:sp>
         </mc:Fallback>
       </mc:AlternateContent>
-      <mc:AlternateContent xmlns:mc="http://schemas.openxmlformats.org/markup-compatibility/2006">
-        <mc:Choice xmlns:a14="http://schemas.microsoft.com/office/drawing/2010/main" Requires="a14">
+      <mc:AlternateContent xmlns:mc="http://schemas.openxmlformats.org/markup-compatibility/2006" xmlns:a14="http://schemas.microsoft.com/office/drawing/2010/main">
+        <mc:Choice Requires="a14">
           <p:sp>
             <p:nvSpPr>
               <p:cNvPr id="21" name="文本框 20"/>
@@ -14889,7 +14899,7 @@
             </p:txBody>
           </p:sp>
         </mc:Choice>
-        <mc:Fallback>
+        <mc:Fallback xmlns="">
           <p:sp>
             <p:nvSpPr>
               <p:cNvPr id="21" name="文本框 20"/>
@@ -15761,8 +15771,8 @@
           </p:txBody>
         </p:sp>
       </p:grpSp>
-      <mc:AlternateContent xmlns:mc="http://schemas.openxmlformats.org/markup-compatibility/2006">
-        <mc:Choice xmlns:a14="http://schemas.microsoft.com/office/drawing/2010/main" Requires="a14">
+      <mc:AlternateContent xmlns:mc="http://schemas.openxmlformats.org/markup-compatibility/2006" xmlns:a14="http://schemas.microsoft.com/office/drawing/2010/main">
+        <mc:Choice Requires="a14">
           <p:sp>
             <p:nvSpPr>
               <p:cNvPr id="46" name="文本框 45"/>
@@ -15813,7 +15823,7 @@
             </p:txBody>
           </p:sp>
         </mc:Choice>
-        <mc:Fallback>
+        <mc:Fallback xmlns="">
           <p:sp>
             <p:nvSpPr>
               <p:cNvPr id="46" name="文本框 45"/>
@@ -15852,8 +15862,8 @@
           </p:sp>
         </mc:Fallback>
       </mc:AlternateContent>
-      <mc:AlternateContent xmlns:mc="http://schemas.openxmlformats.org/markup-compatibility/2006">
-        <mc:Choice xmlns:a14="http://schemas.microsoft.com/office/drawing/2010/main" Requires="a14">
+      <mc:AlternateContent xmlns:mc="http://schemas.openxmlformats.org/markup-compatibility/2006" xmlns:a14="http://schemas.microsoft.com/office/drawing/2010/main">
+        <mc:Choice Requires="a14">
           <p:sp>
             <p:nvSpPr>
               <p:cNvPr id="47" name="文本框 46"/>
@@ -15904,7 +15914,7 @@
             </p:txBody>
           </p:sp>
         </mc:Choice>
-        <mc:Fallback>
+        <mc:Fallback xmlns="">
           <p:sp>
             <p:nvSpPr>
               <p:cNvPr id="47" name="文本框 46"/>
@@ -15943,8 +15953,8 @@
           </p:sp>
         </mc:Fallback>
       </mc:AlternateContent>
-      <mc:AlternateContent xmlns:mc="http://schemas.openxmlformats.org/markup-compatibility/2006">
-        <mc:Choice xmlns:a14="http://schemas.microsoft.com/office/drawing/2010/main" Requires="a14">
+      <mc:AlternateContent xmlns:mc="http://schemas.openxmlformats.org/markup-compatibility/2006" xmlns:a14="http://schemas.microsoft.com/office/drawing/2010/main">
+        <mc:Choice Requires="a14">
           <p:sp>
             <p:nvSpPr>
               <p:cNvPr id="48" name="文本框 47"/>
@@ -15995,7 +16005,7 @@
             </p:txBody>
           </p:sp>
         </mc:Choice>
-        <mc:Fallback>
+        <mc:Fallback xmlns="">
           <p:sp>
             <p:nvSpPr>
               <p:cNvPr id="48" name="文本框 47"/>
@@ -17242,8 +17252,8 @@
           </a:p>
         </p:txBody>
       </p:sp>
-      <mc:AlternateContent xmlns:mc="http://schemas.openxmlformats.org/markup-compatibility/2006">
-        <mc:Choice xmlns:a14="http://schemas.microsoft.com/office/drawing/2010/main" Requires="a14">
+      <mc:AlternateContent xmlns:mc="http://schemas.openxmlformats.org/markup-compatibility/2006" xmlns:a14="http://schemas.microsoft.com/office/drawing/2010/main">
+        <mc:Choice Requires="a14">
           <p:sp>
             <p:nvSpPr>
               <p:cNvPr id="78" name="文本框 77"/>
@@ -17294,7 +17304,7 @@
             </p:txBody>
           </p:sp>
         </mc:Choice>
-        <mc:Fallback>
+        <mc:Fallback xmlns="">
           <p:sp>
             <p:nvSpPr>
               <p:cNvPr id="78" name="文本框 77"/>
@@ -39378,8 +39388,8 @@
             </p:txBody>
           </p:sp>
         </p:grpSp>
-        <mc:AlternateContent xmlns:mc="http://schemas.openxmlformats.org/markup-compatibility/2006">
-          <mc:Choice xmlns:a14="http://schemas.microsoft.com/office/drawing/2010/main" Requires="a14">
+        <mc:AlternateContent xmlns:mc="http://schemas.openxmlformats.org/markup-compatibility/2006" xmlns:a14="http://schemas.microsoft.com/office/drawing/2010/main">
+          <mc:Choice Requires="a14">
             <p:sp>
               <p:nvSpPr>
                 <p:cNvPr id="26" name="矩形 25"/>
@@ -39624,7 +39634,7 @@
               </p:txBody>
             </p:sp>
           </mc:Choice>
-          <mc:Fallback>
+          <mc:Fallback xmlns="">
             <p:sp>
               <p:nvSpPr>
                 <p:cNvPr id="26" name="矩形 25"/>
